--- a/RomanianRedditDepressionandWell-being.pptx
+++ b/RomanianRedditDepressionandWell-being.pptx
@@ -10,10 +10,11 @@
     <p:sldId id="258" r:id="rId4"/>
     <p:sldId id="259" r:id="rId5"/>
     <p:sldId id="264" r:id="rId6"/>
-    <p:sldId id="260" r:id="rId7"/>
-    <p:sldId id="261" r:id="rId8"/>
-    <p:sldId id="262" r:id="rId9"/>
-    <p:sldId id="263" r:id="rId10"/>
+    <p:sldId id="265" r:id="rId7"/>
+    <p:sldId id="260" r:id="rId8"/>
+    <p:sldId id="261" r:id="rId9"/>
+    <p:sldId id="262" r:id="rId10"/>
+    <p:sldId id="263" r:id="rId11"/>
   </p:sldIdLst>
   <p:sldSz cx="12192000" cy="6858000"/>
   <p:notesSz cx="6858000" cy="9144000"/>
@@ -112,6 +113,11 @@
       </a:defRPr>
     </a:lvl9pPr>
   </p:defaultTextStyle>
+  <p:extLst>
+    <p:ext uri="{EFAFB233-063F-42B5-8137-9DF3F51BA10A}">
+      <p15:sldGuideLst xmlns:p15="http://schemas.microsoft.com/office/powerpoint/2012/main"/>
+    </p:ext>
+  </p:extLst>
 </p:presentation>
 </file>
 
@@ -8908,7 +8914,7 @@
           <a:p>
             <a:fld id="{8575C664-5059-4F1C-A323-7A856CB18013}" type="datetimeFigureOut">
               <a:rPr lang="ro-RO" smtClean="0"/>
-              <a:t>15.06.2025</a:t>
+              <a:t>16.06.2025</a:t>
             </a:fld>
             <a:endParaRPr lang="ro-RO"/>
           </a:p>
@@ -9115,7 +9121,7 @@
           <a:p>
             <a:fld id="{8575C664-5059-4F1C-A323-7A856CB18013}" type="datetimeFigureOut">
               <a:rPr lang="ro-RO" smtClean="0"/>
-              <a:t>15.06.2025</a:t>
+              <a:t>16.06.2025</a:t>
             </a:fld>
             <a:endParaRPr lang="ro-RO"/>
           </a:p>
@@ -9295,7 +9301,7 @@
           <a:p>
             <a:fld id="{8575C664-5059-4F1C-A323-7A856CB18013}" type="datetimeFigureOut">
               <a:rPr lang="ro-RO" smtClean="0"/>
-              <a:t>15.06.2025</a:t>
+              <a:t>16.06.2025</a:t>
             </a:fld>
             <a:endParaRPr lang="ro-RO"/>
           </a:p>
@@ -9500,7 +9506,7 @@
           <a:p>
             <a:fld id="{8575C664-5059-4F1C-A323-7A856CB18013}" type="datetimeFigureOut">
               <a:rPr lang="ro-RO" smtClean="0"/>
-              <a:t>15.06.2025</a:t>
+              <a:t>16.06.2025</a:t>
             </a:fld>
             <a:endParaRPr lang="ro-RO"/>
           </a:p>
@@ -18398,7 +18404,7 @@
           <a:p>
             <a:fld id="{8575C664-5059-4F1C-A323-7A856CB18013}" type="datetimeFigureOut">
               <a:rPr lang="ro-RO" smtClean="0"/>
-              <a:t>15.06.2025</a:t>
+              <a:t>16.06.2025</a:t>
             </a:fld>
             <a:endParaRPr lang="ro-RO"/>
           </a:p>
@@ -18672,7 +18678,7 @@
           <a:p>
             <a:fld id="{8575C664-5059-4F1C-A323-7A856CB18013}" type="datetimeFigureOut">
               <a:rPr lang="ro-RO" smtClean="0"/>
-              <a:t>15.06.2025</a:t>
+              <a:t>16.06.2025</a:t>
             </a:fld>
             <a:endParaRPr lang="ro-RO"/>
           </a:p>
@@ -19070,7 +19076,7 @@
           <a:p>
             <a:fld id="{8575C664-5059-4F1C-A323-7A856CB18013}" type="datetimeFigureOut">
               <a:rPr lang="ro-RO" smtClean="0"/>
-              <a:t>15.06.2025</a:t>
+              <a:t>16.06.2025</a:t>
             </a:fld>
             <a:endParaRPr lang="ro-RO"/>
           </a:p>
@@ -19188,7 +19194,7 @@
           <a:p>
             <a:fld id="{8575C664-5059-4F1C-A323-7A856CB18013}" type="datetimeFigureOut">
               <a:rPr lang="ro-RO" smtClean="0"/>
-              <a:t>15.06.2025</a:t>
+              <a:t>16.06.2025</a:t>
             </a:fld>
             <a:endParaRPr lang="ro-RO"/>
           </a:p>
@@ -19283,7 +19289,7 @@
           <a:p>
             <a:fld id="{8575C664-5059-4F1C-A323-7A856CB18013}" type="datetimeFigureOut">
               <a:rPr lang="ro-RO" smtClean="0"/>
-              <a:t>15.06.2025</a:t>
+              <a:t>16.06.2025</a:t>
             </a:fld>
             <a:endParaRPr lang="ro-RO"/>
           </a:p>
@@ -19573,7 +19579,7 @@
           <a:p>
             <a:fld id="{8575C664-5059-4F1C-A323-7A856CB18013}" type="datetimeFigureOut">
               <a:rPr lang="ro-RO" smtClean="0"/>
-              <a:t>15.06.2025</a:t>
+              <a:t>16.06.2025</a:t>
             </a:fld>
             <a:endParaRPr lang="ro-RO"/>
           </a:p>
@@ -19853,7 +19859,7 @@
           <a:p>
             <a:fld id="{8575C664-5059-4F1C-A323-7A856CB18013}" type="datetimeFigureOut">
               <a:rPr lang="ro-RO" smtClean="0"/>
-              <a:t>15.06.2025</a:t>
+              <a:t>16.06.2025</a:t>
             </a:fld>
             <a:endParaRPr lang="ro-RO"/>
           </a:p>
@@ -20103,7 +20109,7 @@
           <a:p>
             <a:fld id="{8575C664-5059-4F1C-A323-7A856CB18013}" type="datetimeFigureOut">
               <a:rPr lang="ro-RO" smtClean="0"/>
-              <a:t>15.06.2025</a:t>
+              <a:t>16.06.2025</a:t>
             </a:fld>
             <a:endParaRPr lang="ro-RO"/>
           </a:p>
@@ -20708,6 +20714,541 @@
 </p:sld>
 </file>
 
+<file path=ppt/slides/slide10.xml><?xml version="1.0" encoding="utf-8"?>
+<p:sld xmlns:a="http://schemas.openxmlformats.org/drawingml/2006/main" xmlns:r="http://schemas.openxmlformats.org/officeDocument/2006/relationships" xmlns:p="http://schemas.openxmlformats.org/presentationml/2006/main">
+  <p:cSld>
+    <p:spTree>
+      <p:nvGrpSpPr>
+        <p:cNvPr id="1" name=""/>
+        <p:cNvGrpSpPr/>
+        <p:nvPr/>
+      </p:nvGrpSpPr>
+      <p:grpSpPr>
+        <a:xfrm>
+          <a:off x="0" y="0"/>
+          <a:ext cx="0" cy="0"/>
+          <a:chOff x="0" y="0"/>
+          <a:chExt cx="0" cy="0"/>
+        </a:xfrm>
+      </p:grpSpPr>
+      <p:sp>
+        <p:nvSpPr>
+          <p:cNvPr id="2" name="Title 1">
+            <a:extLst>
+              <a:ext uri="{FF2B5EF4-FFF2-40B4-BE49-F238E27FC236}">
+                <a16:creationId xmlns:a16="http://schemas.microsoft.com/office/drawing/2014/main" id="{346830A5-E2FD-46C8-8A36-14FC7E247CF1}"/>
+              </a:ext>
+            </a:extLst>
+          </p:cNvPr>
+          <p:cNvSpPr>
+            <a:spLocks noGrp="1"/>
+          </p:cNvSpPr>
+          <p:nvPr>
+            <p:ph type="title"/>
+          </p:nvPr>
+        </p:nvSpPr>
+        <p:spPr>
+          <a:xfrm>
+            <a:off x="1024129" y="136981"/>
+            <a:ext cx="9720072" cy="1499616"/>
+          </a:xfrm>
+        </p:spPr>
+        <p:txBody>
+          <a:bodyPr/>
+          <a:lstStyle/>
+          <a:p>
+            <a:r>
+              <a:rPr lang="ro-RO" dirty="0" err="1"/>
+              <a:t>Ethical</a:t>
+            </a:r>
+            <a:r>
+              <a:rPr lang="ro-RO" dirty="0"/>
+              <a:t> &amp; </a:t>
+            </a:r>
+            <a:r>
+              <a:rPr lang="ro-RO" dirty="0" err="1"/>
+              <a:t>Licensing</a:t>
+            </a:r>
+            <a:r>
+              <a:rPr lang="ro-RO" dirty="0"/>
+              <a:t> </a:t>
+            </a:r>
+            <a:r>
+              <a:rPr lang="ro-RO" dirty="0" err="1"/>
+              <a:t>Considerations</a:t>
+            </a:r>
+            <a:endParaRPr lang="ro-RO" dirty="0"/>
+          </a:p>
+        </p:txBody>
+      </p:sp>
+      <p:sp>
+        <p:nvSpPr>
+          <p:cNvPr id="3" name="Content Placeholder 2">
+            <a:extLst>
+              <a:ext uri="{FF2B5EF4-FFF2-40B4-BE49-F238E27FC236}">
+                <a16:creationId xmlns:a16="http://schemas.microsoft.com/office/drawing/2014/main" id="{F0FC2221-C54D-4B01-A6B6-188FD211127E}"/>
+              </a:ext>
+            </a:extLst>
+          </p:cNvPr>
+          <p:cNvSpPr>
+            <a:spLocks noGrp="1"/>
+          </p:cNvSpPr>
+          <p:nvPr>
+            <p:ph idx="1"/>
+          </p:nvPr>
+        </p:nvSpPr>
+        <p:spPr>
+          <a:xfrm>
+            <a:off x="1024128" y="1636597"/>
+            <a:ext cx="9720073" cy="4672763"/>
+          </a:xfrm>
+        </p:spPr>
+        <p:txBody>
+          <a:bodyPr>
+            <a:normAutofit fontScale="92500" lnSpcReduction="10000"/>
+          </a:bodyPr>
+          <a:lstStyle/>
+          <a:p>
+            <a:pPr marL="0" indent="0">
+              <a:buNone/>
+            </a:pPr>
+            <a:r>
+              <a:rPr lang="ro-RO" b="1" dirty="0"/>
+              <a:t>Data </a:t>
+            </a:r>
+            <a:r>
+              <a:rPr lang="ro-RO" b="1" dirty="0" err="1"/>
+              <a:t>Collection</a:t>
+            </a:r>
+            <a:r>
+              <a:rPr lang="ro-RO" b="1" dirty="0"/>
+              <a:t> </a:t>
+            </a:r>
+            <a:r>
+              <a:rPr lang="ro-RO" b="1" dirty="0" err="1"/>
+              <a:t>Compliance</a:t>
+            </a:r>
+            <a:r>
+              <a:rPr lang="ro-RO" b="1" dirty="0"/>
+              <a:t>:</a:t>
+            </a:r>
+            <a:endParaRPr lang="ro-RO" dirty="0"/>
+          </a:p>
+          <a:p>
+            <a:pPr lvl="1">
+              <a:buFont typeface="Arial" panose="020B0604020202020204" pitchFamily="34" charset="0"/>
+              <a:buChar char="•"/>
+            </a:pPr>
+            <a:r>
+              <a:rPr lang="ro-RO" dirty="0" err="1"/>
+              <a:t>Fully</a:t>
+            </a:r>
+            <a:r>
+              <a:rPr lang="ro-RO" dirty="0"/>
+              <a:t> </a:t>
+            </a:r>
+            <a:r>
+              <a:rPr lang="ro-RO" dirty="0" err="1"/>
+              <a:t>aligned</a:t>
+            </a:r>
+            <a:r>
+              <a:rPr lang="ro-RO" dirty="0"/>
+              <a:t> </a:t>
+            </a:r>
+            <a:r>
+              <a:rPr lang="ro-RO" dirty="0" err="1"/>
+              <a:t>with</a:t>
+            </a:r>
+            <a:r>
+              <a:rPr lang="ro-RO" dirty="0"/>
+              <a:t> </a:t>
+            </a:r>
+            <a:r>
+              <a:rPr lang="ro-RO" b="1" dirty="0" err="1"/>
+              <a:t>Reddit’s</a:t>
+            </a:r>
+            <a:r>
+              <a:rPr lang="ro-RO" b="1" dirty="0"/>
+              <a:t> public data </a:t>
+            </a:r>
+            <a:r>
+              <a:rPr lang="ro-RO" b="1" dirty="0" err="1"/>
+              <a:t>policy</a:t>
+            </a:r>
+            <a:endParaRPr lang="ro-RO" dirty="0"/>
+          </a:p>
+          <a:p>
+            <a:pPr lvl="1">
+              <a:buFont typeface="Arial" panose="020B0604020202020204" pitchFamily="34" charset="0"/>
+              <a:buChar char="•"/>
+            </a:pPr>
+            <a:r>
+              <a:rPr lang="ro-RO" dirty="0" err="1"/>
+              <a:t>Only</a:t>
+            </a:r>
+            <a:r>
+              <a:rPr lang="ro-RO" dirty="0"/>
+              <a:t> </a:t>
+            </a:r>
+            <a:r>
+              <a:rPr lang="ro-RO" b="1" dirty="0"/>
+              <a:t>public content</a:t>
+            </a:r>
+            <a:r>
+              <a:rPr lang="ro-RO" dirty="0"/>
+              <a:t> </a:t>
+            </a:r>
+            <a:r>
+              <a:rPr lang="ro-RO" dirty="0" err="1"/>
+              <a:t>used</a:t>
+            </a:r>
+            <a:r>
+              <a:rPr lang="ro-RO" dirty="0"/>
+              <a:t>; </a:t>
+            </a:r>
+            <a:r>
+              <a:rPr lang="ro-RO" dirty="0" err="1"/>
+              <a:t>no</a:t>
+            </a:r>
+            <a:r>
+              <a:rPr lang="ro-RO" dirty="0"/>
+              <a:t> private/</a:t>
+            </a:r>
+            <a:r>
+              <a:rPr lang="ro-RO" dirty="0" err="1"/>
+              <a:t>restricted</a:t>
+            </a:r>
+            <a:r>
+              <a:rPr lang="ro-RO" dirty="0"/>
+              <a:t> data </a:t>
+            </a:r>
+            <a:r>
+              <a:rPr lang="ro-RO" dirty="0" err="1"/>
+              <a:t>accessed</a:t>
+            </a:r>
+            <a:endParaRPr lang="en-US" dirty="0"/>
+          </a:p>
+          <a:p>
+            <a:pPr>
+              <a:buFont typeface="Arial" panose="020B0604020202020204" pitchFamily="34" charset="0"/>
+              <a:buChar char="•"/>
+            </a:pPr>
+            <a:endParaRPr lang="ro-RO" dirty="0"/>
+          </a:p>
+          <a:p>
+            <a:pPr marL="0" indent="0">
+              <a:buNone/>
+            </a:pPr>
+            <a:r>
+              <a:rPr lang="ro-RO" b="1" dirty="0" err="1"/>
+              <a:t>Usage</a:t>
+            </a:r>
+            <a:r>
+              <a:rPr lang="ro-RO" b="1" dirty="0"/>
+              <a:t> </a:t>
+            </a:r>
+            <a:r>
+              <a:rPr lang="ro-RO" b="1" dirty="0" err="1"/>
+              <a:t>Restrictions</a:t>
+            </a:r>
+            <a:r>
+              <a:rPr lang="ro-RO" b="1" dirty="0"/>
+              <a:t>:</a:t>
+            </a:r>
+            <a:endParaRPr lang="ro-RO" dirty="0"/>
+          </a:p>
+          <a:p>
+            <a:pPr lvl="1">
+              <a:buFont typeface="Arial" panose="020B0604020202020204" pitchFamily="34" charset="0"/>
+              <a:buChar char="•"/>
+            </a:pPr>
+            <a:r>
+              <a:rPr lang="ro-RO" b="1" dirty="0"/>
+              <a:t>Academic </a:t>
+            </a:r>
+            <a:r>
+              <a:rPr lang="ro-RO" b="1" dirty="0" err="1"/>
+              <a:t>and</a:t>
+            </a:r>
+            <a:r>
+              <a:rPr lang="ro-RO" b="1" dirty="0"/>
+              <a:t> </a:t>
+            </a:r>
+            <a:r>
+              <a:rPr lang="ro-RO" b="1" dirty="0" err="1"/>
+              <a:t>research</a:t>
+            </a:r>
+            <a:r>
+              <a:rPr lang="ro-RO" b="1" dirty="0"/>
+              <a:t> </a:t>
+            </a:r>
+            <a:r>
+              <a:rPr lang="ro-RO" b="1" dirty="0" err="1"/>
+              <a:t>use</a:t>
+            </a:r>
+            <a:r>
+              <a:rPr lang="ro-RO" b="1" dirty="0"/>
+              <a:t> </a:t>
+            </a:r>
+            <a:r>
+              <a:rPr lang="ro-RO" b="1" dirty="0" err="1"/>
+              <a:t>only</a:t>
+            </a:r>
+            <a:endParaRPr lang="ro-RO" dirty="0"/>
+          </a:p>
+          <a:p>
+            <a:pPr lvl="1">
+              <a:buFont typeface="Arial" panose="020B0604020202020204" pitchFamily="34" charset="0"/>
+              <a:buChar char="•"/>
+            </a:pPr>
+            <a:r>
+              <a:rPr lang="ro-RO" dirty="0"/>
+              <a:t>No </a:t>
+            </a:r>
+            <a:r>
+              <a:rPr lang="ro-RO" dirty="0" err="1"/>
+              <a:t>commercial</a:t>
+            </a:r>
+            <a:r>
+              <a:rPr lang="ro-RO" dirty="0"/>
+              <a:t> </a:t>
+            </a:r>
+            <a:r>
+              <a:rPr lang="ro-RO" dirty="0" err="1"/>
+              <a:t>exploitation</a:t>
+            </a:r>
+            <a:r>
+              <a:rPr lang="ro-RO" dirty="0"/>
+              <a:t> </a:t>
+            </a:r>
+            <a:r>
+              <a:rPr lang="ro-RO" dirty="0" err="1"/>
+              <a:t>allowed</a:t>
+            </a:r>
+            <a:endParaRPr lang="ro-RO" dirty="0"/>
+          </a:p>
+          <a:p>
+            <a:pPr lvl="1">
+              <a:buFont typeface="Arial" panose="020B0604020202020204" pitchFamily="34" charset="0"/>
+              <a:buChar char="•"/>
+            </a:pPr>
+            <a:r>
+              <a:rPr lang="ro-RO" dirty="0" err="1"/>
+              <a:t>Available</a:t>
+            </a:r>
+            <a:r>
+              <a:rPr lang="ro-RO" dirty="0"/>
+              <a:t> </a:t>
+            </a:r>
+            <a:r>
+              <a:rPr lang="ro-RO" dirty="0" err="1"/>
+              <a:t>under</a:t>
+            </a:r>
+            <a:r>
+              <a:rPr lang="ro-RO" dirty="0"/>
+              <a:t> </a:t>
+            </a:r>
+            <a:r>
+              <a:rPr lang="ro-RO" b="1" dirty="0"/>
+              <a:t>open </a:t>
+            </a:r>
+            <a:r>
+              <a:rPr lang="ro-RO" b="1" dirty="0" err="1"/>
+              <a:t>science</a:t>
+            </a:r>
+            <a:r>
+              <a:rPr lang="ro-RO" b="1" dirty="0"/>
+              <a:t> </a:t>
+            </a:r>
+            <a:r>
+              <a:rPr lang="ro-RO" b="1" dirty="0" err="1"/>
+              <a:t>principles</a:t>
+            </a:r>
+            <a:r>
+              <a:rPr lang="ro-RO" dirty="0"/>
+              <a:t> </a:t>
+            </a:r>
+            <a:r>
+              <a:rPr lang="ro-RO" dirty="0" err="1"/>
+              <a:t>with</a:t>
+            </a:r>
+            <a:r>
+              <a:rPr lang="ro-RO" dirty="0"/>
+              <a:t> data </a:t>
+            </a:r>
+            <a:r>
+              <a:rPr lang="ro-RO" dirty="0" err="1"/>
+              <a:t>protection</a:t>
+            </a:r>
+            <a:r>
+              <a:rPr lang="ro-RO" dirty="0"/>
+              <a:t> </a:t>
+            </a:r>
+            <a:r>
+              <a:rPr lang="ro-RO" dirty="0" err="1"/>
+              <a:t>guarantees</a:t>
+            </a:r>
+            <a:endParaRPr lang="en-US" dirty="0"/>
+          </a:p>
+          <a:p>
+            <a:pPr>
+              <a:buFont typeface="Arial" panose="020B0604020202020204" pitchFamily="34" charset="0"/>
+              <a:buChar char="•"/>
+            </a:pPr>
+            <a:endParaRPr lang="ro-RO" dirty="0"/>
+          </a:p>
+          <a:p>
+            <a:pPr marL="0" indent="0">
+              <a:buNone/>
+            </a:pPr>
+            <a:r>
+              <a:rPr lang="ro-RO" b="1" dirty="0"/>
+              <a:t>GDPR </a:t>
+            </a:r>
+            <a:r>
+              <a:rPr lang="ro-RO" b="1" dirty="0" err="1"/>
+              <a:t>Compliance</a:t>
+            </a:r>
+            <a:r>
+              <a:rPr lang="ro-RO" b="1" dirty="0"/>
+              <a:t>:</a:t>
+            </a:r>
+            <a:endParaRPr lang="ro-RO" dirty="0"/>
+          </a:p>
+          <a:p>
+            <a:pPr lvl="1">
+              <a:buFont typeface="Arial" panose="020B0604020202020204" pitchFamily="34" charset="0"/>
+              <a:buChar char="•"/>
+            </a:pPr>
+            <a:r>
+              <a:rPr lang="ro-RO" b="1" dirty="0"/>
+              <a:t>No </a:t>
+            </a:r>
+            <a:r>
+              <a:rPr lang="ro-RO" b="1" dirty="0" err="1"/>
+              <a:t>personally</a:t>
+            </a:r>
+            <a:r>
+              <a:rPr lang="ro-RO" b="1" dirty="0"/>
+              <a:t> </a:t>
+            </a:r>
+            <a:r>
+              <a:rPr lang="ro-RO" b="1" dirty="0" err="1"/>
+              <a:t>identifiable</a:t>
+            </a:r>
+            <a:r>
+              <a:rPr lang="ro-RO" b="1" dirty="0"/>
+              <a:t> </a:t>
+            </a:r>
+            <a:r>
+              <a:rPr lang="ro-RO" b="1" dirty="0" err="1"/>
+              <a:t>information</a:t>
+            </a:r>
+            <a:r>
+              <a:rPr lang="ro-RO" b="1" dirty="0"/>
+              <a:t> (PII)</a:t>
+            </a:r>
+            <a:r>
+              <a:rPr lang="ro-RO" dirty="0"/>
+              <a:t> </a:t>
+            </a:r>
+            <a:r>
+              <a:rPr lang="ro-RO" dirty="0" err="1"/>
+              <a:t>present</a:t>
+            </a:r>
+            <a:endParaRPr lang="ro-RO" dirty="0"/>
+          </a:p>
+          <a:p>
+            <a:pPr lvl="1">
+              <a:buFont typeface="Arial" panose="020B0604020202020204" pitchFamily="34" charset="0"/>
+              <a:buChar char="•"/>
+            </a:pPr>
+            <a:r>
+              <a:rPr lang="ro-RO" dirty="0"/>
+              <a:t>Data </a:t>
+            </a:r>
+            <a:r>
+              <a:rPr lang="ro-RO" b="1" dirty="0" err="1"/>
+              <a:t>anonymized</a:t>
+            </a:r>
+            <a:r>
+              <a:rPr lang="ro-RO" dirty="0"/>
+              <a:t> </a:t>
+            </a:r>
+            <a:r>
+              <a:rPr lang="ro-RO" dirty="0" err="1"/>
+              <a:t>to</a:t>
+            </a:r>
+            <a:r>
+              <a:rPr lang="ro-RO" dirty="0"/>
+              <a:t> eliminate </a:t>
+            </a:r>
+            <a:r>
+              <a:rPr lang="ro-RO" dirty="0" err="1"/>
+              <a:t>sensitive</a:t>
+            </a:r>
+            <a:r>
+              <a:rPr lang="ro-RO" dirty="0"/>
+              <a:t> content</a:t>
+            </a:r>
+          </a:p>
+          <a:p>
+            <a:pPr lvl="1">
+              <a:buFont typeface="Arial" panose="020B0604020202020204" pitchFamily="34" charset="0"/>
+              <a:buChar char="•"/>
+            </a:pPr>
+            <a:r>
+              <a:rPr lang="ro-RO" b="1" dirty="0" err="1"/>
+              <a:t>Negligible</a:t>
+            </a:r>
+            <a:r>
+              <a:rPr lang="ro-RO" b="1" dirty="0"/>
+              <a:t> re-</a:t>
+            </a:r>
+            <a:r>
+              <a:rPr lang="ro-RO" b="1" dirty="0" err="1"/>
+              <a:t>identification</a:t>
+            </a:r>
+            <a:r>
+              <a:rPr lang="ro-RO" b="1" dirty="0"/>
+              <a:t> </a:t>
+            </a:r>
+            <a:r>
+              <a:rPr lang="ro-RO" b="1" dirty="0" err="1"/>
+              <a:t>risk</a:t>
+            </a:r>
+            <a:r>
+              <a:rPr lang="ro-RO" dirty="0"/>
+              <a:t> </a:t>
+            </a:r>
+            <a:r>
+              <a:rPr lang="ro-RO" dirty="0" err="1"/>
+              <a:t>ensure</a:t>
+            </a:r>
+            <a:r>
+              <a:rPr lang="en-US" dirty="0"/>
+              <a:t>d</a:t>
+            </a:r>
+            <a:endParaRPr lang="ro-RO" dirty="0"/>
+          </a:p>
+          <a:p>
+            <a:endParaRPr lang="ro-RO" dirty="0"/>
+          </a:p>
+        </p:txBody>
+      </p:sp>
+    </p:spTree>
+    <p:extLst>
+      <p:ext uri="{BB962C8B-B14F-4D97-AF65-F5344CB8AC3E}">
+        <p14:creationId xmlns:p14="http://schemas.microsoft.com/office/powerpoint/2010/main" val="699593526"/>
+      </p:ext>
+    </p:extLst>
+  </p:cSld>
+  <p:clrMapOvr>
+    <a:masterClrMapping/>
+  </p:clrMapOvr>
+</p:sld>
+</file>
+
 <file path=ppt/slides/slide2.xml><?xml version="1.0" encoding="utf-8"?>
 <p:sld xmlns:a="http://schemas.openxmlformats.org/drawingml/2006/main" xmlns:r="http://schemas.openxmlformats.org/officeDocument/2006/relationships" xmlns:p="http://schemas.openxmlformats.org/presentationml/2006/main">
   <p:cSld>
@@ -21376,7 +21917,15 @@
             </a:r>
             <a:r>
               <a:rPr lang="ro-RO" sz="1600" b="1" dirty="0"/>
-              <a:t>10 </a:t>
+              <a:t>1</a:t>
+            </a:r>
+            <a:r>
+              <a:rPr lang="en-US" sz="1600" b="1" dirty="0"/>
+              <a:t>5</a:t>
+            </a:r>
+            <a:r>
+              <a:rPr lang="ro-RO" sz="1600" b="1" dirty="0"/>
+              <a:t> </a:t>
             </a:r>
             <a:r>
               <a:rPr lang="ro-RO" sz="1600" b="1" dirty="0" err="1"/>
@@ -22860,8 +23409,12 @@
           <a:lstStyle/>
           <a:p>
             <a:r>
+              <a:rPr lang="en-US" dirty="0" err="1"/>
+              <a:t>Depresion</a:t>
+            </a:r>
+            <a:r>
               <a:rPr lang="en-US" dirty="0"/>
-              <a:t>Samples</a:t>
+              <a:t> Samples</a:t>
             </a:r>
             <a:endParaRPr lang="ro-RO" dirty="0"/>
           </a:p>
@@ -22883,10 +23436,15 @@
             <p:ph idx="1"/>
           </p:nvPr>
         </p:nvSpPr>
-        <p:spPr/>
+        <p:spPr>
+          <a:xfrm>
+            <a:off x="907114" y="1748966"/>
+            <a:ext cx="9720073" cy="4023360"/>
+          </a:xfrm>
+        </p:spPr>
         <p:txBody>
           <a:bodyPr>
-            <a:normAutofit lnSpcReduction="10000"/>
+            <a:normAutofit/>
           </a:bodyPr>
           <a:lstStyle/>
           <a:p>
@@ -22928,6 +23486,14 @@
               <a:rPr lang="ro-RO" dirty="0"/>
               <a:t>Nu am nimic altceva decât dispreț pentru mine însumi.,MACHINE_TRANSLATION,0</a:t>
             </a:r>
+            <a:endParaRPr lang="en-US" dirty="0"/>
+          </a:p>
+          <a:p>
+            <a:pPr lvl="1">
+              <a:buFont typeface="Arial" panose="020B0604020202020204" pitchFamily="34" charset="0"/>
+              <a:buChar char="•"/>
+            </a:pPr>
+            <a:endParaRPr lang="ro-RO" dirty="0"/>
           </a:p>
           <a:p>
             <a:pPr>
@@ -22937,143 +23503,43 @@
             <a:endParaRPr lang="en-US" dirty="0"/>
           </a:p>
           <a:p>
-            <a:pPr>
-              <a:buFont typeface="Arial" panose="020B0604020202020204" pitchFamily="34" charset="0"/>
-              <a:buChar char="•"/>
-            </a:pPr>
-            <a:r>
-              <a:rPr lang="en-US" b="1" dirty="0"/>
-              <a:t>Non depression</a:t>
-            </a:r>
-          </a:p>
-          <a:p>
-            <a:pPr lvl="1">
-              <a:buFont typeface="Arial" panose="020B0604020202020204" pitchFamily="34" charset="0"/>
-              <a:buChar char="•"/>
-            </a:pPr>
-            <a:r>
-              <a:rPr lang="en-US" dirty="0"/>
-              <a:t>O buna </a:t>
-            </a:r>
-            <a:r>
-              <a:rPr lang="en-US" dirty="0" err="1"/>
-              <a:t>parte</a:t>
-            </a:r>
-            <a:r>
-              <a:rPr lang="en-US" dirty="0"/>
-              <a:t> din </a:t>
-            </a:r>
-            <a:r>
-              <a:rPr lang="en-US" dirty="0" err="1"/>
-              <a:t>membri</a:t>
-            </a:r>
-            <a:r>
-              <a:rPr lang="en-US" dirty="0"/>
-              <a:t> USR sunt </a:t>
-            </a:r>
-            <a:r>
-              <a:rPr lang="en-US" dirty="0" err="1"/>
-              <a:t>oameni</a:t>
-            </a:r>
-            <a:r>
-              <a:rPr lang="en-US" dirty="0"/>
-              <a:t> cu </a:t>
-            </a:r>
-            <a:r>
-              <a:rPr lang="en-US" dirty="0" err="1"/>
-              <a:t>studii</a:t>
-            </a:r>
-            <a:r>
-              <a:rPr lang="en-US" dirty="0"/>
-              <a:t> </a:t>
-            </a:r>
-            <a:r>
-              <a:rPr lang="en-US" dirty="0" err="1"/>
-              <a:t>superioare</a:t>
-            </a:r>
-            <a:r>
-              <a:rPr lang="en-US" dirty="0"/>
-              <a:t> care au </a:t>
-            </a:r>
-            <a:r>
-              <a:rPr lang="en-US" dirty="0" err="1"/>
-              <a:t>lucrat</a:t>
-            </a:r>
-            <a:r>
-              <a:rPr lang="en-US" dirty="0"/>
-              <a:t> </a:t>
-            </a:r>
-            <a:r>
-              <a:rPr lang="en-US" dirty="0" err="1"/>
-              <a:t>numai</a:t>
-            </a:r>
-            <a:r>
-              <a:rPr lang="en-US" dirty="0"/>
-              <a:t> in </a:t>
-            </a:r>
-            <a:r>
-              <a:rPr lang="en-US" dirty="0" err="1"/>
-              <a:t>privat</a:t>
-            </a:r>
-            <a:r>
-              <a:rPr lang="en-US" dirty="0"/>
-              <a:t> </a:t>
-            </a:r>
-            <a:r>
-              <a:rPr lang="en-US" dirty="0" err="1"/>
-              <a:t>si</a:t>
-            </a:r>
-            <a:r>
-              <a:rPr lang="en-US" dirty="0"/>
-              <a:t> </a:t>
-            </a:r>
-            <a:r>
-              <a:rPr lang="en-US" dirty="0" err="1"/>
-              <a:t>vor</a:t>
-            </a:r>
-            <a:r>
-              <a:rPr lang="en-US" dirty="0"/>
-              <a:t> o </a:t>
-            </a:r>
-            <a:r>
-              <a:rPr lang="en-US" dirty="0" err="1"/>
-              <a:t>tara</a:t>
-            </a:r>
-            <a:r>
-              <a:rPr lang="en-US" dirty="0"/>
-              <a:t> corecta,SCRAPED,1</a:t>
-            </a:r>
-          </a:p>
-          <a:p>
-            <a:pPr lvl="1">
-              <a:buFont typeface="Arial" panose="020B0604020202020204" pitchFamily="34" charset="0"/>
-              <a:buChar char="•"/>
-            </a:pPr>
-            <a:r>
-              <a:rPr lang="it-IT" dirty="0"/>
-              <a:t>"Merg weekendul asta in vama cu inca 2 prieteni, daca o sa fii pe acolo si vrei sa te alaturi si tu, da-mi un dm",SCRAPED,1</a:t>
-            </a:r>
-            <a:endParaRPr lang="en-US" dirty="0"/>
-          </a:p>
-          <a:p>
-            <a:pPr lvl="1">
-              <a:buFont typeface="Arial" panose="020B0604020202020204" pitchFamily="34" charset="0"/>
-              <a:buChar char="•"/>
-            </a:pPr>
-            <a:r>
-              <a:rPr lang="ro-RO" dirty="0"/>
-              <a:t>Soția mea nu vrea să îi dea Toyota de teamă că o va pierde.,MACHINE_TRANSLATION,1</a:t>
-            </a:r>
-          </a:p>
-          <a:p>
-            <a:pPr>
-              <a:buFont typeface="Arial" panose="020B0604020202020204" pitchFamily="34" charset="0"/>
-              <a:buChar char="•"/>
+            <a:pPr marL="0" indent="0">
+              <a:buNone/>
             </a:pPr>
             <a:endParaRPr lang="ro-RO" dirty="0"/>
           </a:p>
         </p:txBody>
       </p:sp>
+      <p:pic>
+        <p:nvPicPr>
+          <p:cNvPr id="7" name="Picture 6">
+            <a:extLst>
+              <a:ext uri="{FF2B5EF4-FFF2-40B4-BE49-F238E27FC236}">
+                <a16:creationId xmlns:a16="http://schemas.microsoft.com/office/drawing/2014/main" id="{576FDB8F-3367-400C-887E-DD68A4C75B9C}"/>
+              </a:ext>
+            </a:extLst>
+          </p:cNvPr>
+          <p:cNvPicPr>
+            <a:picLocks noChangeAspect="1"/>
+          </p:cNvPicPr>
+          <p:nvPr/>
+        </p:nvPicPr>
+        <p:blipFill>
+          <a:blip r:embed="rId2"/>
+          <a:stretch>
+            <a:fillRect/>
+          </a:stretch>
+        </p:blipFill>
+        <p:spPr>
+          <a:xfrm>
+            <a:off x="2533383" y="3464277"/>
+            <a:ext cx="6296432" cy="3170726"/>
+          </a:xfrm>
+          <a:prstGeom prst="rect">
+            <a:avLst/>
+          </a:prstGeom>
+        </p:spPr>
+      </p:pic>
     </p:spTree>
     <p:extLst>
       <p:ext uri="{BB962C8B-B14F-4D97-AF65-F5344CB8AC3E}">
@@ -23088,6 +23554,259 @@
 </file>
 
 <file path=ppt/slides/slide6.xml><?xml version="1.0" encoding="utf-8"?>
+<p:sld xmlns:a="http://schemas.openxmlformats.org/drawingml/2006/main" xmlns:r="http://schemas.openxmlformats.org/officeDocument/2006/relationships" xmlns:p="http://schemas.openxmlformats.org/presentationml/2006/main">
+  <p:cSld>
+    <p:spTree>
+      <p:nvGrpSpPr>
+        <p:cNvPr id="1" name=""/>
+        <p:cNvGrpSpPr/>
+        <p:nvPr/>
+      </p:nvGrpSpPr>
+      <p:grpSpPr>
+        <a:xfrm>
+          <a:off x="0" y="0"/>
+          <a:ext cx="0" cy="0"/>
+          <a:chOff x="0" y="0"/>
+          <a:chExt cx="0" cy="0"/>
+        </a:xfrm>
+      </p:grpSpPr>
+      <p:sp>
+        <p:nvSpPr>
+          <p:cNvPr id="2" name="Title 1">
+            <a:extLst>
+              <a:ext uri="{FF2B5EF4-FFF2-40B4-BE49-F238E27FC236}">
+                <a16:creationId xmlns:a16="http://schemas.microsoft.com/office/drawing/2014/main" id="{281963FD-40E0-49E0-B49D-C22A0B2D4BFE}"/>
+              </a:ext>
+            </a:extLst>
+          </p:cNvPr>
+          <p:cNvSpPr>
+            <a:spLocks noGrp="1"/>
+          </p:cNvSpPr>
+          <p:nvPr>
+            <p:ph type="title"/>
+          </p:nvPr>
+        </p:nvSpPr>
+        <p:spPr>
+          <a:xfrm>
+            <a:off x="1024127" y="356078"/>
+            <a:ext cx="9720072" cy="1499616"/>
+          </a:xfrm>
+        </p:spPr>
+        <p:txBody>
+          <a:bodyPr/>
+          <a:lstStyle/>
+          <a:p>
+            <a:r>
+              <a:rPr lang="en-US" dirty="0"/>
+              <a:t>Non depression samples</a:t>
+            </a:r>
+            <a:endParaRPr lang="ro-RO" dirty="0"/>
+          </a:p>
+        </p:txBody>
+      </p:sp>
+      <p:sp>
+        <p:nvSpPr>
+          <p:cNvPr id="3" name="Content Placeholder 2">
+            <a:extLst>
+              <a:ext uri="{FF2B5EF4-FFF2-40B4-BE49-F238E27FC236}">
+                <a16:creationId xmlns:a16="http://schemas.microsoft.com/office/drawing/2014/main" id="{3B6CA613-0856-4395-B8B3-65C0A2107AFE}"/>
+              </a:ext>
+            </a:extLst>
+          </p:cNvPr>
+          <p:cNvSpPr>
+            <a:spLocks noGrp="1"/>
+          </p:cNvSpPr>
+          <p:nvPr>
+            <p:ph idx="1"/>
+          </p:nvPr>
+        </p:nvSpPr>
+        <p:spPr>
+          <a:xfrm>
+            <a:off x="1024127" y="1601097"/>
+            <a:ext cx="9720073" cy="4023360"/>
+          </a:xfrm>
+        </p:spPr>
+        <p:txBody>
+          <a:bodyPr/>
+          <a:lstStyle/>
+          <a:p>
+            <a:pPr>
+              <a:buFont typeface="Arial" panose="020B0604020202020204" pitchFamily="34" charset="0"/>
+              <a:buChar char="•"/>
+            </a:pPr>
+            <a:r>
+              <a:rPr lang="en-US" b="1" dirty="0"/>
+              <a:t>Non depression</a:t>
+            </a:r>
+          </a:p>
+          <a:p>
+            <a:pPr lvl="1">
+              <a:buFont typeface="Arial" panose="020B0604020202020204" pitchFamily="34" charset="0"/>
+              <a:buChar char="•"/>
+            </a:pPr>
+            <a:r>
+              <a:rPr lang="en-US" dirty="0"/>
+              <a:t>O buna </a:t>
+            </a:r>
+            <a:r>
+              <a:rPr lang="en-US" dirty="0" err="1"/>
+              <a:t>parte</a:t>
+            </a:r>
+            <a:r>
+              <a:rPr lang="en-US" dirty="0"/>
+              <a:t> din </a:t>
+            </a:r>
+            <a:r>
+              <a:rPr lang="en-US" dirty="0" err="1"/>
+              <a:t>membri</a:t>
+            </a:r>
+            <a:r>
+              <a:rPr lang="en-US" dirty="0"/>
+              <a:t> USR sunt </a:t>
+            </a:r>
+            <a:r>
+              <a:rPr lang="en-US" dirty="0" err="1"/>
+              <a:t>oameni</a:t>
+            </a:r>
+            <a:r>
+              <a:rPr lang="en-US" dirty="0"/>
+              <a:t> cu </a:t>
+            </a:r>
+            <a:r>
+              <a:rPr lang="en-US" dirty="0" err="1"/>
+              <a:t>studii</a:t>
+            </a:r>
+            <a:r>
+              <a:rPr lang="en-US" dirty="0"/>
+              <a:t> </a:t>
+            </a:r>
+            <a:r>
+              <a:rPr lang="en-US" dirty="0" err="1"/>
+              <a:t>superioare</a:t>
+            </a:r>
+            <a:r>
+              <a:rPr lang="en-US" dirty="0"/>
+              <a:t> care au </a:t>
+            </a:r>
+            <a:r>
+              <a:rPr lang="en-US" dirty="0" err="1"/>
+              <a:t>lucrat</a:t>
+            </a:r>
+            <a:r>
+              <a:rPr lang="en-US" dirty="0"/>
+              <a:t> </a:t>
+            </a:r>
+            <a:r>
+              <a:rPr lang="en-US" dirty="0" err="1"/>
+              <a:t>numai</a:t>
+            </a:r>
+            <a:r>
+              <a:rPr lang="en-US" dirty="0"/>
+              <a:t> in </a:t>
+            </a:r>
+            <a:r>
+              <a:rPr lang="en-US" dirty="0" err="1"/>
+              <a:t>privat</a:t>
+            </a:r>
+            <a:r>
+              <a:rPr lang="en-US" dirty="0"/>
+              <a:t> </a:t>
+            </a:r>
+            <a:r>
+              <a:rPr lang="en-US" dirty="0" err="1"/>
+              <a:t>si</a:t>
+            </a:r>
+            <a:r>
+              <a:rPr lang="en-US" dirty="0"/>
+              <a:t> </a:t>
+            </a:r>
+            <a:r>
+              <a:rPr lang="en-US" dirty="0" err="1"/>
+              <a:t>vor</a:t>
+            </a:r>
+            <a:r>
+              <a:rPr lang="en-US" dirty="0"/>
+              <a:t> o </a:t>
+            </a:r>
+            <a:r>
+              <a:rPr lang="en-US" dirty="0" err="1"/>
+              <a:t>tara</a:t>
+            </a:r>
+            <a:r>
+              <a:rPr lang="en-US" dirty="0"/>
+              <a:t> corecta,SCRAPED,1</a:t>
+            </a:r>
+          </a:p>
+          <a:p>
+            <a:pPr lvl="1">
+              <a:buFont typeface="Arial" panose="020B0604020202020204" pitchFamily="34" charset="0"/>
+              <a:buChar char="•"/>
+            </a:pPr>
+            <a:r>
+              <a:rPr lang="it-IT" dirty="0"/>
+              <a:t>"Merg weekendul asta in vama cu inca 2 prieteni, daca o sa fii pe acolo si vrei sa te alaturi si tu, da-mi un dm",SCRAPED,1</a:t>
+            </a:r>
+            <a:endParaRPr lang="en-US" dirty="0"/>
+          </a:p>
+          <a:p>
+            <a:pPr lvl="1">
+              <a:buFont typeface="Arial" panose="020B0604020202020204" pitchFamily="34" charset="0"/>
+              <a:buChar char="•"/>
+            </a:pPr>
+            <a:r>
+              <a:rPr lang="ro-RO" dirty="0"/>
+              <a:t>Soția mea nu vrea să îi dea Toyota de teamă că o va pierde.,MACHINE_TRANSLATION,1</a:t>
+            </a:r>
+          </a:p>
+          <a:p>
+            <a:endParaRPr lang="ro-RO" dirty="0"/>
+          </a:p>
+        </p:txBody>
+      </p:sp>
+      <p:pic>
+        <p:nvPicPr>
+          <p:cNvPr id="5" name="Picture 4">
+            <a:extLst>
+              <a:ext uri="{FF2B5EF4-FFF2-40B4-BE49-F238E27FC236}">
+                <a16:creationId xmlns:a16="http://schemas.microsoft.com/office/drawing/2014/main" id="{53D09B66-2188-4FDF-AE8F-DA111E2EC514}"/>
+              </a:ext>
+            </a:extLst>
+          </p:cNvPr>
+          <p:cNvPicPr>
+            <a:picLocks noChangeAspect="1"/>
+          </p:cNvPicPr>
+          <p:nvPr/>
+        </p:nvPicPr>
+        <p:blipFill>
+          <a:blip r:embed="rId2"/>
+          <a:stretch>
+            <a:fillRect/>
+          </a:stretch>
+        </p:blipFill>
+        <p:spPr>
+          <a:xfrm>
+            <a:off x="2229120" y="3612777"/>
+            <a:ext cx="5991322" cy="3048000"/>
+          </a:xfrm>
+          <a:prstGeom prst="rect">
+            <a:avLst/>
+          </a:prstGeom>
+        </p:spPr>
+      </p:pic>
+    </p:spTree>
+    <p:extLst>
+      <p:ext uri="{BB962C8B-B14F-4D97-AF65-F5344CB8AC3E}">
+        <p14:creationId xmlns:p14="http://schemas.microsoft.com/office/powerpoint/2010/main" val="2578727668"/>
+      </p:ext>
+    </p:extLst>
+  </p:cSld>
+  <p:clrMapOvr>
+    <a:masterClrMapping/>
+  </p:clrMapOvr>
+</p:sld>
+</file>
+
+<file path=ppt/slides/slide7.xml><?xml version="1.0" encoding="utf-8"?>
 <p:sld xmlns:a="http://schemas.openxmlformats.org/drawingml/2006/main" xmlns:r="http://schemas.openxmlformats.org/officeDocument/2006/relationships" xmlns:p="http://schemas.openxmlformats.org/presentationml/2006/main">
   <p:cSld>
     <p:spTree>
@@ -23578,7 +24297,7 @@
 </p:sld>
 </file>
 
-<file path=ppt/slides/slide7.xml><?xml version="1.0" encoding="utf-8"?>
+<file path=ppt/slides/slide8.xml><?xml version="1.0" encoding="utf-8"?>
 <p:sld xmlns:a="http://schemas.openxmlformats.org/drawingml/2006/main" xmlns:r="http://schemas.openxmlformats.org/officeDocument/2006/relationships" xmlns:p="http://schemas.openxmlformats.org/presentationml/2006/main">
   <p:cSld>
     <p:spTree>
@@ -24467,7 +25186,7 @@
 </p:sld>
 </file>
 
-<file path=ppt/slides/slide8.xml><?xml version="1.0" encoding="utf-8"?>
+<file path=ppt/slides/slide9.xml><?xml version="1.0" encoding="utf-8"?>
 <p:sld xmlns:a="http://schemas.openxmlformats.org/drawingml/2006/main" xmlns:r="http://schemas.openxmlformats.org/officeDocument/2006/relationships" xmlns:p="http://schemas.openxmlformats.org/presentationml/2006/main">
   <p:cSld>
     <p:spTree>
@@ -24707,541 +25426,6 @@
     <p:extLst>
       <p:ext uri="{BB962C8B-B14F-4D97-AF65-F5344CB8AC3E}">
         <p14:creationId xmlns:p14="http://schemas.microsoft.com/office/powerpoint/2010/main" val="3204301382"/>
-      </p:ext>
-    </p:extLst>
-  </p:cSld>
-  <p:clrMapOvr>
-    <a:masterClrMapping/>
-  </p:clrMapOvr>
-</p:sld>
-</file>
-
-<file path=ppt/slides/slide9.xml><?xml version="1.0" encoding="utf-8"?>
-<p:sld xmlns:a="http://schemas.openxmlformats.org/drawingml/2006/main" xmlns:r="http://schemas.openxmlformats.org/officeDocument/2006/relationships" xmlns:p="http://schemas.openxmlformats.org/presentationml/2006/main">
-  <p:cSld>
-    <p:spTree>
-      <p:nvGrpSpPr>
-        <p:cNvPr id="1" name=""/>
-        <p:cNvGrpSpPr/>
-        <p:nvPr/>
-      </p:nvGrpSpPr>
-      <p:grpSpPr>
-        <a:xfrm>
-          <a:off x="0" y="0"/>
-          <a:ext cx="0" cy="0"/>
-          <a:chOff x="0" y="0"/>
-          <a:chExt cx="0" cy="0"/>
-        </a:xfrm>
-      </p:grpSpPr>
-      <p:sp>
-        <p:nvSpPr>
-          <p:cNvPr id="2" name="Title 1">
-            <a:extLst>
-              <a:ext uri="{FF2B5EF4-FFF2-40B4-BE49-F238E27FC236}">
-                <a16:creationId xmlns:a16="http://schemas.microsoft.com/office/drawing/2014/main" id="{346830A5-E2FD-46C8-8A36-14FC7E247CF1}"/>
-              </a:ext>
-            </a:extLst>
-          </p:cNvPr>
-          <p:cNvSpPr>
-            <a:spLocks noGrp="1"/>
-          </p:cNvSpPr>
-          <p:nvPr>
-            <p:ph type="title"/>
-          </p:nvPr>
-        </p:nvSpPr>
-        <p:spPr>
-          <a:xfrm>
-            <a:off x="1024129" y="136981"/>
-            <a:ext cx="9720072" cy="1499616"/>
-          </a:xfrm>
-        </p:spPr>
-        <p:txBody>
-          <a:bodyPr/>
-          <a:lstStyle/>
-          <a:p>
-            <a:r>
-              <a:rPr lang="ro-RO" dirty="0" err="1"/>
-              <a:t>Ethical</a:t>
-            </a:r>
-            <a:r>
-              <a:rPr lang="ro-RO" dirty="0"/>
-              <a:t> &amp; </a:t>
-            </a:r>
-            <a:r>
-              <a:rPr lang="ro-RO" dirty="0" err="1"/>
-              <a:t>Licensing</a:t>
-            </a:r>
-            <a:r>
-              <a:rPr lang="ro-RO" dirty="0"/>
-              <a:t> </a:t>
-            </a:r>
-            <a:r>
-              <a:rPr lang="ro-RO" dirty="0" err="1"/>
-              <a:t>Considerations</a:t>
-            </a:r>
-            <a:endParaRPr lang="ro-RO" dirty="0"/>
-          </a:p>
-        </p:txBody>
-      </p:sp>
-      <p:sp>
-        <p:nvSpPr>
-          <p:cNvPr id="3" name="Content Placeholder 2">
-            <a:extLst>
-              <a:ext uri="{FF2B5EF4-FFF2-40B4-BE49-F238E27FC236}">
-                <a16:creationId xmlns:a16="http://schemas.microsoft.com/office/drawing/2014/main" id="{F0FC2221-C54D-4B01-A6B6-188FD211127E}"/>
-              </a:ext>
-            </a:extLst>
-          </p:cNvPr>
-          <p:cNvSpPr>
-            <a:spLocks noGrp="1"/>
-          </p:cNvSpPr>
-          <p:nvPr>
-            <p:ph idx="1"/>
-          </p:nvPr>
-        </p:nvSpPr>
-        <p:spPr>
-          <a:xfrm>
-            <a:off x="1024128" y="1636597"/>
-            <a:ext cx="9720073" cy="4672763"/>
-          </a:xfrm>
-        </p:spPr>
-        <p:txBody>
-          <a:bodyPr>
-            <a:normAutofit fontScale="92500" lnSpcReduction="10000"/>
-          </a:bodyPr>
-          <a:lstStyle/>
-          <a:p>
-            <a:pPr marL="0" indent="0">
-              <a:buNone/>
-            </a:pPr>
-            <a:r>
-              <a:rPr lang="ro-RO" b="1" dirty="0"/>
-              <a:t>Data </a:t>
-            </a:r>
-            <a:r>
-              <a:rPr lang="ro-RO" b="1" dirty="0" err="1"/>
-              <a:t>Collection</a:t>
-            </a:r>
-            <a:r>
-              <a:rPr lang="ro-RO" b="1" dirty="0"/>
-              <a:t> </a:t>
-            </a:r>
-            <a:r>
-              <a:rPr lang="ro-RO" b="1" dirty="0" err="1"/>
-              <a:t>Compliance</a:t>
-            </a:r>
-            <a:r>
-              <a:rPr lang="ro-RO" b="1" dirty="0"/>
-              <a:t>:</a:t>
-            </a:r>
-            <a:endParaRPr lang="ro-RO" dirty="0"/>
-          </a:p>
-          <a:p>
-            <a:pPr lvl="1">
-              <a:buFont typeface="Arial" panose="020B0604020202020204" pitchFamily="34" charset="0"/>
-              <a:buChar char="•"/>
-            </a:pPr>
-            <a:r>
-              <a:rPr lang="ro-RO" dirty="0" err="1"/>
-              <a:t>Fully</a:t>
-            </a:r>
-            <a:r>
-              <a:rPr lang="ro-RO" dirty="0"/>
-              <a:t> </a:t>
-            </a:r>
-            <a:r>
-              <a:rPr lang="ro-RO" dirty="0" err="1"/>
-              <a:t>aligned</a:t>
-            </a:r>
-            <a:r>
-              <a:rPr lang="ro-RO" dirty="0"/>
-              <a:t> </a:t>
-            </a:r>
-            <a:r>
-              <a:rPr lang="ro-RO" dirty="0" err="1"/>
-              <a:t>with</a:t>
-            </a:r>
-            <a:r>
-              <a:rPr lang="ro-RO" dirty="0"/>
-              <a:t> </a:t>
-            </a:r>
-            <a:r>
-              <a:rPr lang="ro-RO" b="1" dirty="0" err="1"/>
-              <a:t>Reddit’s</a:t>
-            </a:r>
-            <a:r>
-              <a:rPr lang="ro-RO" b="1" dirty="0"/>
-              <a:t> public data </a:t>
-            </a:r>
-            <a:r>
-              <a:rPr lang="ro-RO" b="1" dirty="0" err="1"/>
-              <a:t>policy</a:t>
-            </a:r>
-            <a:endParaRPr lang="ro-RO" dirty="0"/>
-          </a:p>
-          <a:p>
-            <a:pPr lvl="1">
-              <a:buFont typeface="Arial" panose="020B0604020202020204" pitchFamily="34" charset="0"/>
-              <a:buChar char="•"/>
-            </a:pPr>
-            <a:r>
-              <a:rPr lang="ro-RO" dirty="0" err="1"/>
-              <a:t>Only</a:t>
-            </a:r>
-            <a:r>
-              <a:rPr lang="ro-RO" dirty="0"/>
-              <a:t> </a:t>
-            </a:r>
-            <a:r>
-              <a:rPr lang="ro-RO" b="1" dirty="0"/>
-              <a:t>public content</a:t>
-            </a:r>
-            <a:r>
-              <a:rPr lang="ro-RO" dirty="0"/>
-              <a:t> </a:t>
-            </a:r>
-            <a:r>
-              <a:rPr lang="ro-RO" dirty="0" err="1"/>
-              <a:t>used</a:t>
-            </a:r>
-            <a:r>
-              <a:rPr lang="ro-RO" dirty="0"/>
-              <a:t>; </a:t>
-            </a:r>
-            <a:r>
-              <a:rPr lang="ro-RO" dirty="0" err="1"/>
-              <a:t>no</a:t>
-            </a:r>
-            <a:r>
-              <a:rPr lang="ro-RO" dirty="0"/>
-              <a:t> private/</a:t>
-            </a:r>
-            <a:r>
-              <a:rPr lang="ro-RO" dirty="0" err="1"/>
-              <a:t>restricted</a:t>
-            </a:r>
-            <a:r>
-              <a:rPr lang="ro-RO" dirty="0"/>
-              <a:t> data </a:t>
-            </a:r>
-            <a:r>
-              <a:rPr lang="ro-RO" dirty="0" err="1"/>
-              <a:t>accessed</a:t>
-            </a:r>
-            <a:endParaRPr lang="en-US" dirty="0"/>
-          </a:p>
-          <a:p>
-            <a:pPr>
-              <a:buFont typeface="Arial" panose="020B0604020202020204" pitchFamily="34" charset="0"/>
-              <a:buChar char="•"/>
-            </a:pPr>
-            <a:endParaRPr lang="ro-RO" dirty="0"/>
-          </a:p>
-          <a:p>
-            <a:pPr marL="0" indent="0">
-              <a:buNone/>
-            </a:pPr>
-            <a:r>
-              <a:rPr lang="ro-RO" b="1" dirty="0" err="1"/>
-              <a:t>Usage</a:t>
-            </a:r>
-            <a:r>
-              <a:rPr lang="ro-RO" b="1" dirty="0"/>
-              <a:t> </a:t>
-            </a:r>
-            <a:r>
-              <a:rPr lang="ro-RO" b="1" dirty="0" err="1"/>
-              <a:t>Restrictions</a:t>
-            </a:r>
-            <a:r>
-              <a:rPr lang="ro-RO" b="1" dirty="0"/>
-              <a:t>:</a:t>
-            </a:r>
-            <a:endParaRPr lang="ro-RO" dirty="0"/>
-          </a:p>
-          <a:p>
-            <a:pPr lvl="1">
-              <a:buFont typeface="Arial" panose="020B0604020202020204" pitchFamily="34" charset="0"/>
-              <a:buChar char="•"/>
-            </a:pPr>
-            <a:r>
-              <a:rPr lang="ro-RO" b="1" dirty="0"/>
-              <a:t>Academic </a:t>
-            </a:r>
-            <a:r>
-              <a:rPr lang="ro-RO" b="1" dirty="0" err="1"/>
-              <a:t>and</a:t>
-            </a:r>
-            <a:r>
-              <a:rPr lang="ro-RO" b="1" dirty="0"/>
-              <a:t> </a:t>
-            </a:r>
-            <a:r>
-              <a:rPr lang="ro-RO" b="1" dirty="0" err="1"/>
-              <a:t>research</a:t>
-            </a:r>
-            <a:r>
-              <a:rPr lang="ro-RO" b="1" dirty="0"/>
-              <a:t> </a:t>
-            </a:r>
-            <a:r>
-              <a:rPr lang="ro-RO" b="1" dirty="0" err="1"/>
-              <a:t>use</a:t>
-            </a:r>
-            <a:r>
-              <a:rPr lang="ro-RO" b="1" dirty="0"/>
-              <a:t> </a:t>
-            </a:r>
-            <a:r>
-              <a:rPr lang="ro-RO" b="1" dirty="0" err="1"/>
-              <a:t>only</a:t>
-            </a:r>
-            <a:endParaRPr lang="ro-RO" dirty="0"/>
-          </a:p>
-          <a:p>
-            <a:pPr lvl="1">
-              <a:buFont typeface="Arial" panose="020B0604020202020204" pitchFamily="34" charset="0"/>
-              <a:buChar char="•"/>
-            </a:pPr>
-            <a:r>
-              <a:rPr lang="ro-RO" dirty="0"/>
-              <a:t>No </a:t>
-            </a:r>
-            <a:r>
-              <a:rPr lang="ro-RO" dirty="0" err="1"/>
-              <a:t>commercial</a:t>
-            </a:r>
-            <a:r>
-              <a:rPr lang="ro-RO" dirty="0"/>
-              <a:t> </a:t>
-            </a:r>
-            <a:r>
-              <a:rPr lang="ro-RO" dirty="0" err="1"/>
-              <a:t>exploitation</a:t>
-            </a:r>
-            <a:r>
-              <a:rPr lang="ro-RO" dirty="0"/>
-              <a:t> </a:t>
-            </a:r>
-            <a:r>
-              <a:rPr lang="ro-RO" dirty="0" err="1"/>
-              <a:t>allowed</a:t>
-            </a:r>
-            <a:endParaRPr lang="ro-RO" dirty="0"/>
-          </a:p>
-          <a:p>
-            <a:pPr lvl="1">
-              <a:buFont typeface="Arial" panose="020B0604020202020204" pitchFamily="34" charset="0"/>
-              <a:buChar char="•"/>
-            </a:pPr>
-            <a:r>
-              <a:rPr lang="ro-RO" dirty="0" err="1"/>
-              <a:t>Available</a:t>
-            </a:r>
-            <a:r>
-              <a:rPr lang="ro-RO" dirty="0"/>
-              <a:t> </a:t>
-            </a:r>
-            <a:r>
-              <a:rPr lang="ro-RO" dirty="0" err="1"/>
-              <a:t>under</a:t>
-            </a:r>
-            <a:r>
-              <a:rPr lang="ro-RO" dirty="0"/>
-              <a:t> </a:t>
-            </a:r>
-            <a:r>
-              <a:rPr lang="ro-RO" b="1" dirty="0"/>
-              <a:t>open </a:t>
-            </a:r>
-            <a:r>
-              <a:rPr lang="ro-RO" b="1" dirty="0" err="1"/>
-              <a:t>science</a:t>
-            </a:r>
-            <a:r>
-              <a:rPr lang="ro-RO" b="1" dirty="0"/>
-              <a:t> </a:t>
-            </a:r>
-            <a:r>
-              <a:rPr lang="ro-RO" b="1" dirty="0" err="1"/>
-              <a:t>principles</a:t>
-            </a:r>
-            <a:r>
-              <a:rPr lang="ro-RO" dirty="0"/>
-              <a:t> </a:t>
-            </a:r>
-            <a:r>
-              <a:rPr lang="ro-RO" dirty="0" err="1"/>
-              <a:t>with</a:t>
-            </a:r>
-            <a:r>
-              <a:rPr lang="ro-RO" dirty="0"/>
-              <a:t> data </a:t>
-            </a:r>
-            <a:r>
-              <a:rPr lang="ro-RO" dirty="0" err="1"/>
-              <a:t>protection</a:t>
-            </a:r>
-            <a:r>
-              <a:rPr lang="ro-RO" dirty="0"/>
-              <a:t> </a:t>
-            </a:r>
-            <a:r>
-              <a:rPr lang="ro-RO" dirty="0" err="1"/>
-              <a:t>guarantees</a:t>
-            </a:r>
-            <a:endParaRPr lang="en-US" dirty="0"/>
-          </a:p>
-          <a:p>
-            <a:pPr>
-              <a:buFont typeface="Arial" panose="020B0604020202020204" pitchFamily="34" charset="0"/>
-              <a:buChar char="•"/>
-            </a:pPr>
-            <a:endParaRPr lang="ro-RO" dirty="0"/>
-          </a:p>
-          <a:p>
-            <a:pPr marL="0" indent="0">
-              <a:buNone/>
-            </a:pPr>
-            <a:r>
-              <a:rPr lang="ro-RO" b="1" dirty="0"/>
-              <a:t>GDPR </a:t>
-            </a:r>
-            <a:r>
-              <a:rPr lang="ro-RO" b="1" dirty="0" err="1"/>
-              <a:t>Compliance</a:t>
-            </a:r>
-            <a:r>
-              <a:rPr lang="ro-RO" b="1" dirty="0"/>
-              <a:t>:</a:t>
-            </a:r>
-            <a:endParaRPr lang="ro-RO" dirty="0"/>
-          </a:p>
-          <a:p>
-            <a:pPr lvl="1">
-              <a:buFont typeface="Arial" panose="020B0604020202020204" pitchFamily="34" charset="0"/>
-              <a:buChar char="•"/>
-            </a:pPr>
-            <a:r>
-              <a:rPr lang="ro-RO" b="1" dirty="0"/>
-              <a:t>No </a:t>
-            </a:r>
-            <a:r>
-              <a:rPr lang="ro-RO" b="1" dirty="0" err="1"/>
-              <a:t>personally</a:t>
-            </a:r>
-            <a:r>
-              <a:rPr lang="ro-RO" b="1" dirty="0"/>
-              <a:t> </a:t>
-            </a:r>
-            <a:r>
-              <a:rPr lang="ro-RO" b="1" dirty="0" err="1"/>
-              <a:t>identifiable</a:t>
-            </a:r>
-            <a:r>
-              <a:rPr lang="ro-RO" b="1" dirty="0"/>
-              <a:t> </a:t>
-            </a:r>
-            <a:r>
-              <a:rPr lang="ro-RO" b="1" dirty="0" err="1"/>
-              <a:t>information</a:t>
-            </a:r>
-            <a:r>
-              <a:rPr lang="ro-RO" b="1" dirty="0"/>
-              <a:t> (PII)</a:t>
-            </a:r>
-            <a:r>
-              <a:rPr lang="ro-RO" dirty="0"/>
-              <a:t> </a:t>
-            </a:r>
-            <a:r>
-              <a:rPr lang="ro-RO" dirty="0" err="1"/>
-              <a:t>present</a:t>
-            </a:r>
-            <a:endParaRPr lang="ro-RO" dirty="0"/>
-          </a:p>
-          <a:p>
-            <a:pPr lvl="1">
-              <a:buFont typeface="Arial" panose="020B0604020202020204" pitchFamily="34" charset="0"/>
-              <a:buChar char="•"/>
-            </a:pPr>
-            <a:r>
-              <a:rPr lang="ro-RO" dirty="0"/>
-              <a:t>Data </a:t>
-            </a:r>
-            <a:r>
-              <a:rPr lang="ro-RO" b="1" dirty="0" err="1"/>
-              <a:t>anonymized</a:t>
-            </a:r>
-            <a:r>
-              <a:rPr lang="ro-RO" dirty="0"/>
-              <a:t> </a:t>
-            </a:r>
-            <a:r>
-              <a:rPr lang="ro-RO" dirty="0" err="1"/>
-              <a:t>to</a:t>
-            </a:r>
-            <a:r>
-              <a:rPr lang="ro-RO" dirty="0"/>
-              <a:t> eliminate </a:t>
-            </a:r>
-            <a:r>
-              <a:rPr lang="ro-RO" dirty="0" err="1"/>
-              <a:t>sensitive</a:t>
-            </a:r>
-            <a:r>
-              <a:rPr lang="ro-RO" dirty="0"/>
-              <a:t> content</a:t>
-            </a:r>
-          </a:p>
-          <a:p>
-            <a:pPr lvl="1">
-              <a:buFont typeface="Arial" panose="020B0604020202020204" pitchFamily="34" charset="0"/>
-              <a:buChar char="•"/>
-            </a:pPr>
-            <a:r>
-              <a:rPr lang="ro-RO" b="1" dirty="0" err="1"/>
-              <a:t>Negligible</a:t>
-            </a:r>
-            <a:r>
-              <a:rPr lang="ro-RO" b="1" dirty="0"/>
-              <a:t> re-</a:t>
-            </a:r>
-            <a:r>
-              <a:rPr lang="ro-RO" b="1" dirty="0" err="1"/>
-              <a:t>identification</a:t>
-            </a:r>
-            <a:r>
-              <a:rPr lang="ro-RO" b="1" dirty="0"/>
-              <a:t> </a:t>
-            </a:r>
-            <a:r>
-              <a:rPr lang="ro-RO" b="1" dirty="0" err="1"/>
-              <a:t>risk</a:t>
-            </a:r>
-            <a:r>
-              <a:rPr lang="ro-RO" dirty="0"/>
-              <a:t> </a:t>
-            </a:r>
-            <a:r>
-              <a:rPr lang="ro-RO" dirty="0" err="1"/>
-              <a:t>ensure</a:t>
-            </a:r>
-            <a:r>
-              <a:rPr lang="en-US" dirty="0"/>
-              <a:t>d</a:t>
-            </a:r>
-            <a:endParaRPr lang="ro-RO" dirty="0"/>
-          </a:p>
-          <a:p>
-            <a:endParaRPr lang="ro-RO" dirty="0"/>
-          </a:p>
-        </p:txBody>
-      </p:sp>
-    </p:spTree>
-    <p:extLst>
-      <p:ext uri="{BB962C8B-B14F-4D97-AF65-F5344CB8AC3E}">
-        <p14:creationId xmlns:p14="http://schemas.microsoft.com/office/powerpoint/2010/main" val="699593526"/>
       </p:ext>
     </p:extLst>
   </p:cSld>
